--- a/Dokumenter/IT-veilendning.pptx
+++ b/Dokumenter/IT-veilendning.pptx
@@ -122,124 +122,8 @@
 </p:presentation>
 </file>
 
-<file path=ppt/revisionInfo.xml><?xml version="1.0" encoding="utf-8"?>
-<p1510:revInfo xmlns:a="http://schemas.openxmlformats.org/drawingml/2006/main" xmlns:r="http://schemas.openxmlformats.org/officeDocument/2006/relationships" xmlns:p1510="http://schemas.microsoft.com/office/powerpoint/2015/10/main">
-  <p1510:revLst>
-    <p1510:client id="{3E259C08-FCAB-4CC7-9997-46550614F66C}" v="3" dt="2023-12-08T12:17:17.871"/>
-  </p1510:revLst>
-</p1510:revInfo>
-</file>
-
 <file path=ppt/changesInfos/changesInfo1.xml><?xml version="1.0" encoding="utf-8"?>
 <pc:chgInfo xmlns:a="http://schemas.openxmlformats.org/drawingml/2006/main" xmlns:r="http://schemas.openxmlformats.org/officeDocument/2006/relationships" xmlns:ac="http://schemas.microsoft.com/office/drawing/2013/main/command" xmlns:pc="http://schemas.microsoft.com/office/powerpoint/2013/main/command">
-  <pc:docChgLst>
-    <pc:chgData name="Adrian Paul Limpiado Balunan" userId="e4c1a52f-95e0-42a3-9589-8dd3b3a00c3f" providerId="ADAL" clId="{B8931D1F-43BE-43D0-A5AD-641E8206BDBA}"/>
-    <pc:docChg chg="custSel addSld modSld">
-      <pc:chgData name="Adrian Paul Limpiado Balunan" userId="e4c1a52f-95e0-42a3-9589-8dd3b3a00c3f" providerId="ADAL" clId="{B8931D1F-43BE-43D0-A5AD-641E8206BDBA}" dt="2023-12-08T22:08:55.695" v="1404" actId="20577"/>
-      <pc:docMkLst>
-        <pc:docMk/>
-      </pc:docMkLst>
-      <pc:sldChg chg="modSp mod">
-        <pc:chgData name="Adrian Paul Limpiado Balunan" userId="e4c1a52f-95e0-42a3-9589-8dd3b3a00c3f" providerId="ADAL" clId="{B8931D1F-43BE-43D0-A5AD-641E8206BDBA}" dt="2023-12-08T22:08:55.695" v="1404" actId="20577"/>
-        <pc:sldMkLst>
-          <pc:docMk/>
-          <pc:sldMk cId="3191017365" sldId="258"/>
-        </pc:sldMkLst>
-        <pc:spChg chg="mod">
-          <ac:chgData name="Adrian Paul Limpiado Balunan" userId="e4c1a52f-95e0-42a3-9589-8dd3b3a00c3f" providerId="ADAL" clId="{B8931D1F-43BE-43D0-A5AD-641E8206BDBA}" dt="2023-12-08T22:07:33.343" v="1253" actId="14100"/>
-          <ac:spMkLst>
-            <pc:docMk/>
-            <pc:sldMk cId="3191017365" sldId="258"/>
-            <ac:spMk id="5" creationId="{BD15B45B-F85C-D479-8E11-DA9E7A0057BA}"/>
-          </ac:spMkLst>
-        </pc:spChg>
-        <pc:spChg chg="mod">
-          <ac:chgData name="Adrian Paul Limpiado Balunan" userId="e4c1a52f-95e0-42a3-9589-8dd3b3a00c3f" providerId="ADAL" clId="{B8931D1F-43BE-43D0-A5AD-641E8206BDBA}" dt="2023-12-08T22:08:55.695" v="1404" actId="20577"/>
-          <ac:spMkLst>
-            <pc:docMk/>
-            <pc:sldMk cId="3191017365" sldId="258"/>
-            <ac:spMk id="9" creationId="{B9E2A74B-2F3A-FFB2-B248-2EE59463067B}"/>
-          </ac:spMkLst>
-        </pc:spChg>
-      </pc:sldChg>
-      <pc:sldChg chg="modSp mod">
-        <pc:chgData name="Adrian Paul Limpiado Balunan" userId="e4c1a52f-95e0-42a3-9589-8dd3b3a00c3f" providerId="ADAL" clId="{B8931D1F-43BE-43D0-A5AD-641E8206BDBA}" dt="2023-12-08T21:46:18.529" v="11" actId="20577"/>
-        <pc:sldMkLst>
-          <pc:docMk/>
-          <pc:sldMk cId="1979132623" sldId="278"/>
-        </pc:sldMkLst>
-        <pc:spChg chg="mod">
-          <ac:chgData name="Adrian Paul Limpiado Balunan" userId="e4c1a52f-95e0-42a3-9589-8dd3b3a00c3f" providerId="ADAL" clId="{B8931D1F-43BE-43D0-A5AD-641E8206BDBA}" dt="2023-12-08T21:46:18.529" v="11" actId="20577"/>
-          <ac:spMkLst>
-            <pc:docMk/>
-            <pc:sldMk cId="1979132623" sldId="278"/>
-            <ac:spMk id="3" creationId="{0F3AA800-AFEC-B4F8-49B4-4686A21BF224}"/>
-          </ac:spMkLst>
-        </pc:spChg>
-      </pc:sldChg>
-      <pc:sldChg chg="modSp mod">
-        <pc:chgData name="Adrian Paul Limpiado Balunan" userId="e4c1a52f-95e0-42a3-9589-8dd3b3a00c3f" providerId="ADAL" clId="{B8931D1F-43BE-43D0-A5AD-641E8206BDBA}" dt="2023-12-08T21:55:11.582" v="222" actId="255"/>
-        <pc:sldMkLst>
-          <pc:docMk/>
-          <pc:sldMk cId="1958173828" sldId="279"/>
-        </pc:sldMkLst>
-        <pc:spChg chg="mod">
-          <ac:chgData name="Adrian Paul Limpiado Balunan" userId="e4c1a52f-95e0-42a3-9589-8dd3b3a00c3f" providerId="ADAL" clId="{B8931D1F-43BE-43D0-A5AD-641E8206BDBA}" dt="2023-12-08T21:55:11.582" v="222" actId="255"/>
-          <ac:spMkLst>
-            <pc:docMk/>
-            <pc:sldMk cId="1958173828" sldId="279"/>
-            <ac:spMk id="3" creationId="{E69BE2D3-12C1-56E5-5212-12C9723D4438}"/>
-          </ac:spMkLst>
-        </pc:spChg>
-      </pc:sldChg>
-      <pc:sldChg chg="modSp mod">
-        <pc:chgData name="Adrian Paul Limpiado Balunan" userId="e4c1a52f-95e0-42a3-9589-8dd3b3a00c3f" providerId="ADAL" clId="{B8931D1F-43BE-43D0-A5AD-641E8206BDBA}" dt="2023-12-08T22:08:33.831" v="1363" actId="313"/>
-        <pc:sldMkLst>
-          <pc:docMk/>
-          <pc:sldMk cId="2289990041" sldId="280"/>
-        </pc:sldMkLst>
-        <pc:spChg chg="mod">
-          <ac:chgData name="Adrian Paul Limpiado Balunan" userId="e4c1a52f-95e0-42a3-9589-8dd3b3a00c3f" providerId="ADAL" clId="{B8931D1F-43BE-43D0-A5AD-641E8206BDBA}" dt="2023-12-08T22:08:33.831" v="1363" actId="313"/>
-          <ac:spMkLst>
-            <pc:docMk/>
-            <pc:sldMk cId="2289990041" sldId="280"/>
-            <ac:spMk id="2" creationId="{21E8067B-D394-4D11-2600-3D1840CAF962}"/>
-          </ac:spMkLst>
-        </pc:spChg>
-        <pc:spChg chg="mod">
-          <ac:chgData name="Adrian Paul Limpiado Balunan" userId="e4c1a52f-95e0-42a3-9589-8dd3b3a00c3f" providerId="ADAL" clId="{B8931D1F-43BE-43D0-A5AD-641E8206BDBA}" dt="2023-12-08T22:06:40.681" v="1247" actId="20577"/>
-          <ac:spMkLst>
-            <pc:docMk/>
-            <pc:sldMk cId="2289990041" sldId="280"/>
-            <ac:spMk id="3" creationId="{DBC21EA2-E29F-FF62-ED7E-1DDA6C6A4842}"/>
-          </ac:spMkLst>
-        </pc:spChg>
-      </pc:sldChg>
-      <pc:sldChg chg="modSp new mod">
-        <pc:chgData name="Adrian Paul Limpiado Balunan" userId="e4c1a52f-95e0-42a3-9589-8dd3b3a00c3f" providerId="ADAL" clId="{B8931D1F-43BE-43D0-A5AD-641E8206BDBA}" dt="2023-12-08T22:03:53.714" v="969" actId="20577"/>
-        <pc:sldMkLst>
-          <pc:docMk/>
-          <pc:sldMk cId="1861573702" sldId="281"/>
-        </pc:sldMkLst>
-        <pc:spChg chg="mod">
-          <ac:chgData name="Adrian Paul Limpiado Balunan" userId="e4c1a52f-95e0-42a3-9589-8dd3b3a00c3f" providerId="ADAL" clId="{B8931D1F-43BE-43D0-A5AD-641E8206BDBA}" dt="2023-12-08T21:56:31.280" v="302" actId="313"/>
-          <ac:spMkLst>
-            <pc:docMk/>
-            <pc:sldMk cId="1861573702" sldId="281"/>
-            <ac:spMk id="2" creationId="{7AA341A5-2A76-BA5A-3038-1609128F1DE0}"/>
-          </ac:spMkLst>
-        </pc:spChg>
-        <pc:spChg chg="mod">
-          <ac:chgData name="Adrian Paul Limpiado Balunan" userId="e4c1a52f-95e0-42a3-9589-8dd3b3a00c3f" providerId="ADAL" clId="{B8931D1F-43BE-43D0-A5AD-641E8206BDBA}" dt="2023-12-08T22:03:53.714" v="969" actId="20577"/>
-          <ac:spMkLst>
-            <pc:docMk/>
-            <pc:sldMk cId="1861573702" sldId="281"/>
-            <ac:spMk id="3" creationId="{792A36DB-AA49-82FE-2EF3-92431248CB89}"/>
-          </ac:spMkLst>
-        </pc:spChg>
-      </pc:sldChg>
-    </pc:docChg>
-  </pc:docChgLst>
   <pc:docChgLst>
     <pc:chgData name="Adrian Paul Limpiado Balunan" userId="e4c1a52f-95e0-42a3-9589-8dd3b3a00c3f" providerId="ADAL" clId="{BC7EFC43-34DF-4396-BF00-F6A3409A2D70}"/>
     <pc:docChg chg="undo custSel addSld delSld modSld sldOrd">
@@ -623,6 +507,130 @@
       </pc:sldChg>
     </pc:docChg>
   </pc:docChgLst>
+  <pc:docChgLst>
+    <pc:chgData name="Adrian Paul Limpiado Balunan" userId="e4c1a52f-95e0-42a3-9589-8dd3b3a00c3f" providerId="ADAL" clId="{1206D603-46BE-43FE-97AF-F75CEE7663B4}"/>
+    <pc:docChg chg="addSld delSld">
+      <pc:chgData name="Adrian Paul Limpiado Balunan" userId="e4c1a52f-95e0-42a3-9589-8dd3b3a00c3f" providerId="ADAL" clId="{1206D603-46BE-43FE-97AF-F75CEE7663B4}" dt="2024-03-22T09:49:29.900" v="1" actId="47"/>
+      <pc:docMkLst>
+        <pc:docMk/>
+      </pc:docMkLst>
+      <pc:sldChg chg="new del">
+        <pc:chgData name="Adrian Paul Limpiado Balunan" userId="e4c1a52f-95e0-42a3-9589-8dd3b3a00c3f" providerId="ADAL" clId="{1206D603-46BE-43FE-97AF-F75CEE7663B4}" dt="2024-03-22T09:49:29.900" v="1" actId="47"/>
+        <pc:sldMkLst>
+          <pc:docMk/>
+          <pc:sldMk cId="3924312182" sldId="282"/>
+        </pc:sldMkLst>
+      </pc:sldChg>
+    </pc:docChg>
+  </pc:docChgLst>
+  <pc:docChgLst>
+    <pc:chgData name="Adrian Paul Limpiado Balunan" userId="e4c1a52f-95e0-42a3-9589-8dd3b3a00c3f" providerId="ADAL" clId="{B8931D1F-43BE-43D0-A5AD-641E8206BDBA}"/>
+    <pc:docChg chg="custSel addSld modSld">
+      <pc:chgData name="Adrian Paul Limpiado Balunan" userId="e4c1a52f-95e0-42a3-9589-8dd3b3a00c3f" providerId="ADAL" clId="{B8931D1F-43BE-43D0-A5AD-641E8206BDBA}" dt="2023-12-08T22:08:55.695" v="1404" actId="20577"/>
+      <pc:docMkLst>
+        <pc:docMk/>
+      </pc:docMkLst>
+      <pc:sldChg chg="modSp mod">
+        <pc:chgData name="Adrian Paul Limpiado Balunan" userId="e4c1a52f-95e0-42a3-9589-8dd3b3a00c3f" providerId="ADAL" clId="{B8931D1F-43BE-43D0-A5AD-641E8206BDBA}" dt="2023-12-08T22:08:55.695" v="1404" actId="20577"/>
+        <pc:sldMkLst>
+          <pc:docMk/>
+          <pc:sldMk cId="3191017365" sldId="258"/>
+        </pc:sldMkLst>
+        <pc:spChg chg="mod">
+          <ac:chgData name="Adrian Paul Limpiado Balunan" userId="e4c1a52f-95e0-42a3-9589-8dd3b3a00c3f" providerId="ADAL" clId="{B8931D1F-43BE-43D0-A5AD-641E8206BDBA}" dt="2023-12-08T22:07:33.343" v="1253" actId="14100"/>
+          <ac:spMkLst>
+            <pc:docMk/>
+            <pc:sldMk cId="3191017365" sldId="258"/>
+            <ac:spMk id="5" creationId="{BD15B45B-F85C-D479-8E11-DA9E7A0057BA}"/>
+          </ac:spMkLst>
+        </pc:spChg>
+        <pc:spChg chg="mod">
+          <ac:chgData name="Adrian Paul Limpiado Balunan" userId="e4c1a52f-95e0-42a3-9589-8dd3b3a00c3f" providerId="ADAL" clId="{B8931D1F-43BE-43D0-A5AD-641E8206BDBA}" dt="2023-12-08T22:08:55.695" v="1404" actId="20577"/>
+          <ac:spMkLst>
+            <pc:docMk/>
+            <pc:sldMk cId="3191017365" sldId="258"/>
+            <ac:spMk id="9" creationId="{B9E2A74B-2F3A-FFB2-B248-2EE59463067B}"/>
+          </ac:spMkLst>
+        </pc:spChg>
+      </pc:sldChg>
+      <pc:sldChg chg="modSp mod">
+        <pc:chgData name="Adrian Paul Limpiado Balunan" userId="e4c1a52f-95e0-42a3-9589-8dd3b3a00c3f" providerId="ADAL" clId="{B8931D1F-43BE-43D0-A5AD-641E8206BDBA}" dt="2023-12-08T21:46:18.529" v="11" actId="20577"/>
+        <pc:sldMkLst>
+          <pc:docMk/>
+          <pc:sldMk cId="1979132623" sldId="278"/>
+        </pc:sldMkLst>
+        <pc:spChg chg="mod">
+          <ac:chgData name="Adrian Paul Limpiado Balunan" userId="e4c1a52f-95e0-42a3-9589-8dd3b3a00c3f" providerId="ADAL" clId="{B8931D1F-43BE-43D0-A5AD-641E8206BDBA}" dt="2023-12-08T21:46:18.529" v="11" actId="20577"/>
+          <ac:spMkLst>
+            <pc:docMk/>
+            <pc:sldMk cId="1979132623" sldId="278"/>
+            <ac:spMk id="3" creationId="{0F3AA800-AFEC-B4F8-49B4-4686A21BF224}"/>
+          </ac:spMkLst>
+        </pc:spChg>
+      </pc:sldChg>
+      <pc:sldChg chg="modSp mod">
+        <pc:chgData name="Adrian Paul Limpiado Balunan" userId="e4c1a52f-95e0-42a3-9589-8dd3b3a00c3f" providerId="ADAL" clId="{B8931D1F-43BE-43D0-A5AD-641E8206BDBA}" dt="2023-12-08T21:55:11.582" v="222" actId="255"/>
+        <pc:sldMkLst>
+          <pc:docMk/>
+          <pc:sldMk cId="1958173828" sldId="279"/>
+        </pc:sldMkLst>
+        <pc:spChg chg="mod">
+          <ac:chgData name="Adrian Paul Limpiado Balunan" userId="e4c1a52f-95e0-42a3-9589-8dd3b3a00c3f" providerId="ADAL" clId="{B8931D1F-43BE-43D0-A5AD-641E8206BDBA}" dt="2023-12-08T21:55:11.582" v="222" actId="255"/>
+          <ac:spMkLst>
+            <pc:docMk/>
+            <pc:sldMk cId="1958173828" sldId="279"/>
+            <ac:spMk id="3" creationId="{E69BE2D3-12C1-56E5-5212-12C9723D4438}"/>
+          </ac:spMkLst>
+        </pc:spChg>
+      </pc:sldChg>
+      <pc:sldChg chg="modSp mod">
+        <pc:chgData name="Adrian Paul Limpiado Balunan" userId="e4c1a52f-95e0-42a3-9589-8dd3b3a00c3f" providerId="ADAL" clId="{B8931D1F-43BE-43D0-A5AD-641E8206BDBA}" dt="2023-12-08T22:08:33.831" v="1363" actId="313"/>
+        <pc:sldMkLst>
+          <pc:docMk/>
+          <pc:sldMk cId="2289990041" sldId="280"/>
+        </pc:sldMkLst>
+        <pc:spChg chg="mod">
+          <ac:chgData name="Adrian Paul Limpiado Balunan" userId="e4c1a52f-95e0-42a3-9589-8dd3b3a00c3f" providerId="ADAL" clId="{B8931D1F-43BE-43D0-A5AD-641E8206BDBA}" dt="2023-12-08T22:08:33.831" v="1363" actId="313"/>
+          <ac:spMkLst>
+            <pc:docMk/>
+            <pc:sldMk cId="2289990041" sldId="280"/>
+            <ac:spMk id="2" creationId="{21E8067B-D394-4D11-2600-3D1840CAF962}"/>
+          </ac:spMkLst>
+        </pc:spChg>
+        <pc:spChg chg="mod">
+          <ac:chgData name="Adrian Paul Limpiado Balunan" userId="e4c1a52f-95e0-42a3-9589-8dd3b3a00c3f" providerId="ADAL" clId="{B8931D1F-43BE-43D0-A5AD-641E8206BDBA}" dt="2023-12-08T22:06:40.681" v="1247" actId="20577"/>
+          <ac:spMkLst>
+            <pc:docMk/>
+            <pc:sldMk cId="2289990041" sldId="280"/>
+            <ac:spMk id="3" creationId="{DBC21EA2-E29F-FF62-ED7E-1DDA6C6A4842}"/>
+          </ac:spMkLst>
+        </pc:spChg>
+      </pc:sldChg>
+      <pc:sldChg chg="modSp new mod">
+        <pc:chgData name="Adrian Paul Limpiado Balunan" userId="e4c1a52f-95e0-42a3-9589-8dd3b3a00c3f" providerId="ADAL" clId="{B8931D1F-43BE-43D0-A5AD-641E8206BDBA}" dt="2023-12-08T22:03:53.714" v="969" actId="20577"/>
+        <pc:sldMkLst>
+          <pc:docMk/>
+          <pc:sldMk cId="1861573702" sldId="281"/>
+        </pc:sldMkLst>
+        <pc:spChg chg="mod">
+          <ac:chgData name="Adrian Paul Limpiado Balunan" userId="e4c1a52f-95e0-42a3-9589-8dd3b3a00c3f" providerId="ADAL" clId="{B8931D1F-43BE-43D0-A5AD-641E8206BDBA}" dt="2023-12-08T21:56:31.280" v="302" actId="313"/>
+          <ac:spMkLst>
+            <pc:docMk/>
+            <pc:sldMk cId="1861573702" sldId="281"/>
+            <ac:spMk id="2" creationId="{7AA341A5-2A76-BA5A-3038-1609128F1DE0}"/>
+          </ac:spMkLst>
+        </pc:spChg>
+        <pc:spChg chg="mod">
+          <ac:chgData name="Adrian Paul Limpiado Balunan" userId="e4c1a52f-95e0-42a3-9589-8dd3b3a00c3f" providerId="ADAL" clId="{B8931D1F-43BE-43D0-A5AD-641E8206BDBA}" dt="2023-12-08T22:03:53.714" v="969" actId="20577"/>
+          <ac:spMkLst>
+            <pc:docMk/>
+            <pc:sldMk cId="1861573702" sldId="281"/>
+            <ac:spMk id="3" creationId="{792A36DB-AA49-82FE-2EF3-92431248CB89}"/>
+          </ac:spMkLst>
+        </pc:spChg>
+      </pc:sldChg>
+    </pc:docChg>
+  </pc:docChgLst>
 </pc:chgInfo>
 </file>
 
@@ -775,7 +783,7 @@
           <a:p>
             <a:fld id="{A638B3EE-1398-4E45-B4AE-B82FB1AF5135}" type="datetimeFigureOut">
               <a:rPr lang="en-GB" smtClean="0"/>
-              <a:t>08/12/2023</a:t>
+              <a:t>22/03/2024</a:t>
             </a:fld>
             <a:endParaRPr lang="en-GB"/>
           </a:p>
@@ -975,7 +983,7 @@
           <a:p>
             <a:fld id="{A638B3EE-1398-4E45-B4AE-B82FB1AF5135}" type="datetimeFigureOut">
               <a:rPr lang="en-GB" smtClean="0"/>
-              <a:t>08/12/2023</a:t>
+              <a:t>22/03/2024</a:t>
             </a:fld>
             <a:endParaRPr lang="en-GB"/>
           </a:p>
@@ -1185,7 +1193,7 @@
           <a:p>
             <a:fld id="{A638B3EE-1398-4E45-B4AE-B82FB1AF5135}" type="datetimeFigureOut">
               <a:rPr lang="en-GB" smtClean="0"/>
-              <a:t>08/12/2023</a:t>
+              <a:t>22/03/2024</a:t>
             </a:fld>
             <a:endParaRPr lang="en-GB"/>
           </a:p>
@@ -1385,7 +1393,7 @@
           <a:p>
             <a:fld id="{A638B3EE-1398-4E45-B4AE-B82FB1AF5135}" type="datetimeFigureOut">
               <a:rPr lang="en-GB" smtClean="0"/>
-              <a:t>08/12/2023</a:t>
+              <a:t>22/03/2024</a:t>
             </a:fld>
             <a:endParaRPr lang="en-GB"/>
           </a:p>
@@ -1661,7 +1669,7 @@
           <a:p>
             <a:fld id="{A638B3EE-1398-4E45-B4AE-B82FB1AF5135}" type="datetimeFigureOut">
               <a:rPr lang="en-GB" smtClean="0"/>
-              <a:t>08/12/2023</a:t>
+              <a:t>22/03/2024</a:t>
             </a:fld>
             <a:endParaRPr lang="en-GB"/>
           </a:p>
@@ -1929,7 +1937,7 @@
           <a:p>
             <a:fld id="{A638B3EE-1398-4E45-B4AE-B82FB1AF5135}" type="datetimeFigureOut">
               <a:rPr lang="en-GB" smtClean="0"/>
-              <a:t>08/12/2023</a:t>
+              <a:t>22/03/2024</a:t>
             </a:fld>
             <a:endParaRPr lang="en-GB"/>
           </a:p>
@@ -2344,7 +2352,7 @@
           <a:p>
             <a:fld id="{A638B3EE-1398-4E45-B4AE-B82FB1AF5135}" type="datetimeFigureOut">
               <a:rPr lang="en-GB" smtClean="0"/>
-              <a:t>08/12/2023</a:t>
+              <a:t>22/03/2024</a:t>
             </a:fld>
             <a:endParaRPr lang="en-GB"/>
           </a:p>
@@ -2486,7 +2494,7 @@
           <a:p>
             <a:fld id="{A638B3EE-1398-4E45-B4AE-B82FB1AF5135}" type="datetimeFigureOut">
               <a:rPr lang="en-GB" smtClean="0"/>
-              <a:t>08/12/2023</a:t>
+              <a:t>22/03/2024</a:t>
             </a:fld>
             <a:endParaRPr lang="en-GB"/>
           </a:p>
@@ -2599,7 +2607,7 @@
           <a:p>
             <a:fld id="{A638B3EE-1398-4E45-B4AE-B82FB1AF5135}" type="datetimeFigureOut">
               <a:rPr lang="en-GB" smtClean="0"/>
-              <a:t>08/12/2023</a:t>
+              <a:t>22/03/2024</a:t>
             </a:fld>
             <a:endParaRPr lang="en-GB"/>
           </a:p>
@@ -2912,7 +2920,7 @@
           <a:p>
             <a:fld id="{A638B3EE-1398-4E45-B4AE-B82FB1AF5135}" type="datetimeFigureOut">
               <a:rPr lang="en-GB" smtClean="0"/>
-              <a:t>08/12/2023</a:t>
+              <a:t>22/03/2024</a:t>
             </a:fld>
             <a:endParaRPr lang="en-GB"/>
           </a:p>
@@ -3201,7 +3209,7 @@
           <a:p>
             <a:fld id="{A638B3EE-1398-4E45-B4AE-B82FB1AF5135}" type="datetimeFigureOut">
               <a:rPr lang="en-GB" smtClean="0"/>
-              <a:t>08/12/2023</a:t>
+              <a:t>22/03/2024</a:t>
             </a:fld>
             <a:endParaRPr lang="en-GB"/>
           </a:p>
@@ -3444,7 +3452,7 @@
           <a:p>
             <a:fld id="{A638B3EE-1398-4E45-B4AE-B82FB1AF5135}" type="datetimeFigureOut">
               <a:rPr lang="en-GB" smtClean="0"/>
-              <a:t>08/12/2023</a:t>
+              <a:t>22/03/2024</a:t>
             </a:fld>
             <a:endParaRPr lang="en-GB"/>
           </a:p>
